--- a/presentation.pptx
+++ b/presentation.pptx
@@ -299,7 +299,7 @@
           <a:p>
             <a:fld id="{4AAD347D-5ACD-4C99-B74B-A9C85AD731AF}" type="datetimeFigureOut">
               <a:rPr lang="en-US" dirty="0"/>
-              <a:t>12/13/2016</a:t>
+              <a:t>12/14/2016</a:t>
             </a:fld>
             <a:endParaRPr lang="en-US" dirty="0"/>
           </a:p>
@@ -569,7 +569,7 @@
           <a:p>
             <a:fld id="{4509A250-FF31-4206-8172-F9D3106AACB1}" type="datetimeFigureOut">
               <a:rPr lang="en-US" dirty="0"/>
-              <a:t>12/13/2016</a:t>
+              <a:t>12/14/2016</a:t>
             </a:fld>
             <a:endParaRPr lang="en-US" dirty="0"/>
           </a:p>
@@ -758,7 +758,7 @@
           <a:p>
             <a:fld id="{4509A250-FF31-4206-8172-F9D3106AACB1}" type="datetimeFigureOut">
               <a:rPr lang="en-US" dirty="0"/>
-              <a:t>12/13/2016</a:t>
+              <a:t>12/14/2016</a:t>
             </a:fld>
             <a:endParaRPr lang="en-US" dirty="0"/>
           </a:p>
@@ -1026,7 +1026,7 @@
           <a:p>
             <a:fld id="{4509A250-FF31-4206-8172-F9D3106AACB1}" type="datetimeFigureOut">
               <a:rPr lang="en-US" dirty="0"/>
-              <a:t>12/13/2016</a:t>
+              <a:t>12/14/2016</a:t>
             </a:fld>
             <a:endParaRPr lang="en-US" dirty="0"/>
           </a:p>
@@ -1362,7 +1362,7 @@
           <a:p>
             <a:fld id="{4509A250-FF31-4206-8172-F9D3106AACB1}" type="datetimeFigureOut">
               <a:rPr lang="en-US" dirty="0"/>
-              <a:t>12/13/2016</a:t>
+              <a:t>12/14/2016</a:t>
             </a:fld>
             <a:endParaRPr lang="en-US" dirty="0"/>
           </a:p>
@@ -1980,7 +1980,7 @@
           <a:p>
             <a:fld id="{4509A250-FF31-4206-8172-F9D3106AACB1}" type="datetimeFigureOut">
               <a:rPr lang="en-US" dirty="0"/>
-              <a:t>12/13/2016</a:t>
+              <a:t>12/14/2016</a:t>
             </a:fld>
             <a:endParaRPr lang="en-US" dirty="0"/>
           </a:p>
@@ -2835,7 +2835,7 @@
           <a:p>
             <a:fld id="{4509A250-FF31-4206-8172-F9D3106AACB1}" type="datetimeFigureOut">
               <a:rPr lang="en-US" dirty="0"/>
-              <a:t>12/13/2016</a:t>
+              <a:t>12/14/2016</a:t>
             </a:fld>
             <a:endParaRPr lang="en-US" dirty="0"/>
           </a:p>
@@ -3000,7 +3000,7 @@
           <a:p>
             <a:fld id="{4509A250-FF31-4206-8172-F9D3106AACB1}" type="datetimeFigureOut">
               <a:rPr lang="en-US" dirty="0"/>
-              <a:t>12/13/2016</a:t>
+              <a:t>12/14/2016</a:t>
             </a:fld>
             <a:endParaRPr lang="en-US" dirty="0"/>
           </a:p>
@@ -3175,7 +3175,7 @@
           <a:p>
             <a:fld id="{4509A250-FF31-4206-8172-F9D3106AACB1}" type="datetimeFigureOut">
               <a:rPr lang="en-US" dirty="0"/>
-              <a:t>12/13/2016</a:t>
+              <a:t>12/14/2016</a:t>
             </a:fld>
             <a:endParaRPr lang="en-US" dirty="0"/>
           </a:p>
@@ -3340,7 +3340,7 @@
           <a:p>
             <a:fld id="{4509A250-FF31-4206-8172-F9D3106AACB1}" type="datetimeFigureOut">
               <a:rPr lang="en-US" dirty="0"/>
-              <a:t>12/13/2016</a:t>
+              <a:t>12/14/2016</a:t>
             </a:fld>
             <a:endParaRPr lang="en-US" dirty="0"/>
           </a:p>
@@ -3582,7 +3582,7 @@
           <a:p>
             <a:fld id="{9796027F-7875-4030-9381-8BD8C4F21935}" type="datetimeFigureOut">
               <a:rPr lang="en-US" dirty="0"/>
-              <a:t>12/13/2016</a:t>
+              <a:t>12/14/2016</a:t>
             </a:fld>
             <a:endParaRPr lang="en-US" dirty="0"/>
           </a:p>
@@ -3869,7 +3869,7 @@
           <a:p>
             <a:fld id="{9796027F-7875-4030-9381-8BD8C4F21935}" type="datetimeFigureOut">
               <a:rPr lang="en-US" dirty="0"/>
-              <a:t>12/13/2016</a:t>
+              <a:t>12/14/2016</a:t>
             </a:fld>
             <a:endParaRPr lang="en-US" dirty="0"/>
           </a:p>
@@ -4308,7 +4308,7 @@
           <a:p>
             <a:fld id="{9796027F-7875-4030-9381-8BD8C4F21935}" type="datetimeFigureOut">
               <a:rPr lang="en-US" dirty="0"/>
-              <a:t>12/13/2016</a:t>
+              <a:t>12/14/2016</a:t>
             </a:fld>
             <a:endParaRPr lang="en-US" dirty="0"/>
           </a:p>
@@ -4421,7 +4421,7 @@
           <a:p>
             <a:fld id="{4509A250-FF31-4206-8172-F9D3106AACB1}" type="datetimeFigureOut">
               <a:rPr lang="en-US" dirty="0"/>
-              <a:t>12/13/2016</a:t>
+              <a:t>12/14/2016</a:t>
             </a:fld>
             <a:endParaRPr lang="en-US" dirty="0"/>
           </a:p>
@@ -4511,7 +4511,7 @@
           <a:p>
             <a:fld id="{4509A250-FF31-4206-8172-F9D3106AACB1}" type="datetimeFigureOut">
               <a:rPr lang="en-US" dirty="0"/>
-              <a:t>12/13/2016</a:t>
+              <a:t>12/14/2016</a:t>
             </a:fld>
             <a:endParaRPr lang="en-US" dirty="0"/>
           </a:p>
@@ -4785,7 +4785,7 @@
           <a:p>
             <a:fld id="{4509A250-FF31-4206-8172-F9D3106AACB1}" type="datetimeFigureOut">
               <a:rPr lang="en-US" dirty="0"/>
-              <a:t>12/13/2016</a:t>
+              <a:t>12/14/2016</a:t>
             </a:fld>
             <a:endParaRPr lang="en-US" dirty="0"/>
           </a:p>
@@ -5055,7 +5055,7 @@
           <a:p>
             <a:fld id="{4509A250-FF31-4206-8172-F9D3106AACB1}" type="datetimeFigureOut">
               <a:rPr lang="en-US" dirty="0"/>
-              <a:t>12/13/2016</a:t>
+              <a:t>12/14/2016</a:t>
             </a:fld>
             <a:endParaRPr lang="en-US" dirty="0"/>
           </a:p>
@@ -5479,7 +5479,7 @@
           <a:p>
             <a:fld id="{4AAD347D-5ACD-4C99-B74B-A9C85AD731AF}" type="datetimeFigureOut">
               <a:rPr lang="en-US" dirty="0"/>
-              <a:t>12/13/2016</a:t>
+              <a:t>12/14/2016</a:t>
             </a:fld>
             <a:endParaRPr lang="en-US" dirty="0"/>
           </a:p>
@@ -6336,9 +6336,10 @@
           <a:p>
             <a:pPr lvl="1"/>
             <a:r>
-              <a:rPr lang="hu-HU" dirty="0" smtClean="0"/>
-              <a:t>Responsible</a:t>
-            </a:r>
+              <a:rPr lang="hu-HU" smtClean="0"/>
+              <a:t>Responsive</a:t>
+            </a:r>
+            <a:endParaRPr lang="hu-HU" dirty="0" smtClean="0"/>
           </a:p>
           <a:p>
             <a:pPr lvl="1"/>
@@ -7323,7 +7324,7 @@
   <a:extraClrSchemeLst/>
   <a:extLst>
     <a:ext uri="{05A4C25C-085E-4340-85A3-A5531E510DB2}">
-      <thm15:themeFamily xmlns:thm15="http://schemas.microsoft.com/office/thememl/2012/main" name="Ion" id="{B8441ADB-2E43-4AF7-B97A-BD870242C6A8}" vid="{292E63A9-BB86-4E3D-B92A-7223C6510D2E}"/>
+      <thm15:themeFamily xmlns:thm15="http://schemas.microsoft.com/office/thememl/2012/main" xmlns="" name="Ion" id="{B8441ADB-2E43-4AF7-B97A-BD870242C6A8}" vid="{292E63A9-BB86-4E3D-B92A-7223C6510D2E}"/>
     </a:ext>
   </a:extLst>
 </a:theme>
